--- a/TimeSeriesForecastingDemo.pptx
+++ b/TimeSeriesForecastingDemo.pptx
@@ -3341,7 +3341,7 @@
           <a:p>
             <a:fld id="{92BDAC7D-53CB-7B47-BF7F-E43BD077E22A}" type="datetimeFigureOut">
               <a:rPr lang="en-US" smtClean="0"/>
-              <a:t>12/18/25</a:t>
+              <a:t>12/19/25</a:t>
             </a:fld>
             <a:endParaRPr lang="en-US"/>
           </a:p>
@@ -3539,7 +3539,7 @@
           <a:p>
             <a:fld id="{92BDAC7D-53CB-7B47-BF7F-E43BD077E22A}" type="datetimeFigureOut">
               <a:rPr lang="en-US" smtClean="0"/>
-              <a:t>12/18/25</a:t>
+              <a:t>12/19/25</a:t>
             </a:fld>
             <a:endParaRPr lang="en-US"/>
           </a:p>
@@ -3747,7 +3747,7 @@
           <a:p>
             <a:fld id="{92BDAC7D-53CB-7B47-BF7F-E43BD077E22A}" type="datetimeFigureOut">
               <a:rPr lang="en-US" smtClean="0"/>
-              <a:t>12/18/25</a:t>
+              <a:t>12/19/25</a:t>
             </a:fld>
             <a:endParaRPr lang="en-US"/>
           </a:p>
@@ -3945,7 +3945,7 @@
           <a:p>
             <a:fld id="{92BDAC7D-53CB-7B47-BF7F-E43BD077E22A}" type="datetimeFigureOut">
               <a:rPr lang="en-US" smtClean="0"/>
-              <a:t>12/18/25</a:t>
+              <a:t>12/19/25</a:t>
             </a:fld>
             <a:endParaRPr lang="en-US"/>
           </a:p>
@@ -4220,7 +4220,7 @@
           <a:p>
             <a:fld id="{92BDAC7D-53CB-7B47-BF7F-E43BD077E22A}" type="datetimeFigureOut">
               <a:rPr lang="en-US" smtClean="0"/>
-              <a:t>12/18/25</a:t>
+              <a:t>12/19/25</a:t>
             </a:fld>
             <a:endParaRPr lang="en-US"/>
           </a:p>
@@ -4485,7 +4485,7 @@
           <a:p>
             <a:fld id="{92BDAC7D-53CB-7B47-BF7F-E43BD077E22A}" type="datetimeFigureOut">
               <a:rPr lang="en-US" smtClean="0"/>
-              <a:t>12/18/25</a:t>
+              <a:t>12/19/25</a:t>
             </a:fld>
             <a:endParaRPr lang="en-US"/>
           </a:p>
@@ -4897,7 +4897,7 @@
           <a:p>
             <a:fld id="{92BDAC7D-53CB-7B47-BF7F-E43BD077E22A}" type="datetimeFigureOut">
               <a:rPr lang="en-US" smtClean="0"/>
-              <a:t>12/18/25</a:t>
+              <a:t>12/19/25</a:t>
             </a:fld>
             <a:endParaRPr lang="en-US"/>
           </a:p>
@@ -5038,7 +5038,7 @@
           <a:p>
             <a:fld id="{92BDAC7D-53CB-7B47-BF7F-E43BD077E22A}" type="datetimeFigureOut">
               <a:rPr lang="en-US" smtClean="0"/>
-              <a:t>12/18/25</a:t>
+              <a:t>12/19/25</a:t>
             </a:fld>
             <a:endParaRPr lang="en-US"/>
           </a:p>
@@ -5151,7 +5151,7 @@
           <a:p>
             <a:fld id="{92BDAC7D-53CB-7B47-BF7F-E43BD077E22A}" type="datetimeFigureOut">
               <a:rPr lang="en-US" smtClean="0"/>
-              <a:t>12/18/25</a:t>
+              <a:t>12/19/25</a:t>
             </a:fld>
             <a:endParaRPr lang="en-US"/>
           </a:p>
@@ -5462,7 +5462,7 @@
           <a:p>
             <a:fld id="{92BDAC7D-53CB-7B47-BF7F-E43BD077E22A}" type="datetimeFigureOut">
               <a:rPr lang="en-US" smtClean="0"/>
-              <a:t>12/18/25</a:t>
+              <a:t>12/19/25</a:t>
             </a:fld>
             <a:endParaRPr lang="en-US"/>
           </a:p>
@@ -5750,7 +5750,7 @@
           <a:p>
             <a:fld id="{92BDAC7D-53CB-7B47-BF7F-E43BD077E22A}" type="datetimeFigureOut">
               <a:rPr lang="en-US" smtClean="0"/>
-              <a:t>12/18/25</a:t>
+              <a:t>12/19/25</a:t>
             </a:fld>
             <a:endParaRPr lang="en-US"/>
           </a:p>
@@ -5991,7 +5991,7 @@
           <a:p>
             <a:fld id="{92BDAC7D-53CB-7B47-BF7F-E43BD077E22A}" type="datetimeFigureOut">
               <a:rPr lang="en-US" smtClean="0"/>
-              <a:t>12/18/25</a:t>
+              <a:t>12/19/25</a:t>
             </a:fld>
             <a:endParaRPr lang="en-US"/>
           </a:p>
@@ -11218,6 +11218,21 @@
             </a:r>
             <a:endParaRPr lang="en-US" dirty="0"/>
           </a:p>
+          <a:p>
+            <a:r>
+              <a:rPr lang="en-US" dirty="0"/>
+              <a:t>https://</a:t>
+            </a:r>
+            <a:r>
+              <a:rPr lang="en-US" dirty="0" err="1"/>
+              <a:t>www.kaggle.com</a:t>
+            </a:r>
+            <a:r>
+              <a:rPr lang="en-US"/>
+              <a:t>/competitions/store-sales-time-series-forecasting/overview</a:t>
+            </a:r>
+            <a:endParaRPr lang="en-US" dirty="0"/>
+          </a:p>
         </p:txBody>
       </p:sp>
     </p:spTree>

--- a/TimeSeriesForecastingDemo.pptx
+++ b/TimeSeriesForecastingDemo.pptx
@@ -13,36 +13,39 @@
     <p:sldId id="260" r:id="rId7"/>
     <p:sldId id="262" r:id="rId8"/>
     <p:sldId id="263" r:id="rId9"/>
-    <p:sldId id="261" r:id="rId10"/>
-    <p:sldId id="264" r:id="rId11"/>
-    <p:sldId id="265" r:id="rId12"/>
-    <p:sldId id="266" r:id="rId13"/>
-    <p:sldId id="267" r:id="rId14"/>
-    <p:sldId id="269" r:id="rId15"/>
-    <p:sldId id="270" r:id="rId16"/>
-    <p:sldId id="273" r:id="rId17"/>
-    <p:sldId id="272" r:id="rId18"/>
-    <p:sldId id="274" r:id="rId19"/>
-    <p:sldId id="275" r:id="rId20"/>
-    <p:sldId id="276" r:id="rId21"/>
-    <p:sldId id="277" r:id="rId22"/>
-    <p:sldId id="278" r:id="rId23"/>
-    <p:sldId id="279" r:id="rId24"/>
-    <p:sldId id="280" r:id="rId25"/>
-    <p:sldId id="281" r:id="rId26"/>
-    <p:sldId id="282" r:id="rId27"/>
-    <p:sldId id="283" r:id="rId28"/>
-    <p:sldId id="284" r:id="rId29"/>
-    <p:sldId id="285" r:id="rId30"/>
-    <p:sldId id="286" r:id="rId31"/>
-    <p:sldId id="287" r:id="rId32"/>
-    <p:sldId id="288" r:id="rId33"/>
-    <p:sldId id="289" r:id="rId34"/>
-    <p:sldId id="290" r:id="rId35"/>
-    <p:sldId id="291" r:id="rId36"/>
-    <p:sldId id="292" r:id="rId37"/>
-    <p:sldId id="293" r:id="rId38"/>
-    <p:sldId id="294" r:id="rId39"/>
+    <p:sldId id="296" r:id="rId10"/>
+    <p:sldId id="297" r:id="rId11"/>
+    <p:sldId id="261" r:id="rId12"/>
+    <p:sldId id="264" r:id="rId13"/>
+    <p:sldId id="265" r:id="rId14"/>
+    <p:sldId id="266" r:id="rId15"/>
+    <p:sldId id="267" r:id="rId16"/>
+    <p:sldId id="269" r:id="rId17"/>
+    <p:sldId id="270" r:id="rId18"/>
+    <p:sldId id="273" r:id="rId19"/>
+    <p:sldId id="272" r:id="rId20"/>
+    <p:sldId id="274" r:id="rId21"/>
+    <p:sldId id="275" r:id="rId22"/>
+    <p:sldId id="276" r:id="rId23"/>
+    <p:sldId id="277" r:id="rId24"/>
+    <p:sldId id="278" r:id="rId25"/>
+    <p:sldId id="279" r:id="rId26"/>
+    <p:sldId id="280" r:id="rId27"/>
+    <p:sldId id="281" r:id="rId28"/>
+    <p:sldId id="282" r:id="rId29"/>
+    <p:sldId id="283" r:id="rId30"/>
+    <p:sldId id="284" r:id="rId31"/>
+    <p:sldId id="285" r:id="rId32"/>
+    <p:sldId id="286" r:id="rId33"/>
+    <p:sldId id="287" r:id="rId34"/>
+    <p:sldId id="288" r:id="rId35"/>
+    <p:sldId id="289" r:id="rId36"/>
+    <p:sldId id="290" r:id="rId37"/>
+    <p:sldId id="291" r:id="rId38"/>
+    <p:sldId id="295" r:id="rId39"/>
+    <p:sldId id="292" r:id="rId40"/>
+    <p:sldId id="293" r:id="rId41"/>
+    <p:sldId id="294" r:id="rId42"/>
   </p:sldIdLst>
   <p:sldSz cx="12192000" cy="6858000"/>
   <p:notesSz cx="6858000" cy="9144000"/>
@@ -6499,6 +6502,186 @@
           <p:cNvPr id="2" name="Title 1">
             <a:extLst>
               <a:ext uri="{FF2B5EF4-FFF2-40B4-BE49-F238E27FC236}">
+                <a16:creationId xmlns:a16="http://schemas.microsoft.com/office/drawing/2014/main" id="{DABB3D46-7444-C182-F342-78CFB9F50DB2}"/>
+              </a:ext>
+            </a:extLst>
+          </p:cNvPr>
+          <p:cNvSpPr>
+            <a:spLocks noGrp="1"/>
+          </p:cNvSpPr>
+          <p:nvPr>
+            <p:ph type="title"/>
+          </p:nvPr>
+        </p:nvSpPr>
+        <p:spPr/>
+        <p:txBody>
+          <a:bodyPr/>
+          <a:lstStyle/>
+          <a:p>
+            <a:r>
+              <a:rPr lang="en-US" dirty="0"/>
+              <a:t>Partial Autocorrelation Function</a:t>
+            </a:r>
+          </a:p>
+        </p:txBody>
+      </p:sp>
+      <p:pic>
+        <p:nvPicPr>
+          <p:cNvPr id="4" name="Content Placeholder 3">
+            <a:extLst>
+              <a:ext uri="{FF2B5EF4-FFF2-40B4-BE49-F238E27FC236}">
+                <a16:creationId xmlns:a16="http://schemas.microsoft.com/office/drawing/2014/main" id="{888EE2D3-F18D-317A-B552-1ED065C3AE0E}"/>
+              </a:ext>
+            </a:extLst>
+          </p:cNvPr>
+          <p:cNvPicPr>
+            <a:picLocks noGrp="1" noChangeAspect="1"/>
+          </p:cNvPicPr>
+          <p:nvPr>
+            <p:ph idx="1"/>
+          </p:nvPr>
+        </p:nvPicPr>
+        <p:blipFill>
+          <a:blip r:embed="rId2"/>
+          <a:stretch>
+            <a:fillRect/>
+          </a:stretch>
+        </p:blipFill>
+        <p:spPr>
+          <a:xfrm>
+            <a:off x="1828800" y="1454745"/>
+            <a:ext cx="7832716" cy="5195437"/>
+          </a:xfrm>
+          <a:prstGeom prst="rect">
+            <a:avLst/>
+          </a:prstGeom>
+        </p:spPr>
+      </p:pic>
+    </p:spTree>
+    <p:extLst>
+      <p:ext uri="{BB962C8B-B14F-4D97-AF65-F5344CB8AC3E}">
+        <p14:creationId xmlns:p14="http://schemas.microsoft.com/office/powerpoint/2010/main" val="265487434"/>
+      </p:ext>
+    </p:extLst>
+  </p:cSld>
+  <p:clrMapOvr>
+    <a:masterClrMapping/>
+  </p:clrMapOvr>
+</p:sld>
+</file>
+
+<file path=ppt/slides/slide11.xml><?xml version="1.0" encoding="utf-8"?>
+<p:sld xmlns:a="http://schemas.openxmlformats.org/drawingml/2006/main" xmlns:r="http://schemas.openxmlformats.org/officeDocument/2006/relationships" xmlns:p="http://schemas.openxmlformats.org/presentationml/2006/main">
+  <p:cSld>
+    <p:spTree>
+      <p:nvGrpSpPr>
+        <p:cNvPr id="1" name=""/>
+        <p:cNvGrpSpPr/>
+        <p:nvPr/>
+      </p:nvGrpSpPr>
+      <p:grpSpPr>
+        <a:xfrm>
+          <a:off x="0" y="0"/>
+          <a:ext cx="0" cy="0"/>
+          <a:chOff x="0" y="0"/>
+          <a:chExt cx="0" cy="0"/>
+        </a:xfrm>
+      </p:grpSpPr>
+      <p:sp>
+        <p:nvSpPr>
+          <p:cNvPr id="2" name="Title 1">
+            <a:extLst>
+              <a:ext uri="{FF2B5EF4-FFF2-40B4-BE49-F238E27FC236}">
+                <a16:creationId xmlns:a16="http://schemas.microsoft.com/office/drawing/2014/main" id="{F2CEB9AC-50DF-BABC-C727-A8074402DE39}"/>
+              </a:ext>
+            </a:extLst>
+          </p:cNvPr>
+          <p:cNvSpPr>
+            <a:spLocks noGrp="1"/>
+          </p:cNvSpPr>
+          <p:nvPr>
+            <p:ph type="title"/>
+          </p:nvPr>
+        </p:nvSpPr>
+        <p:spPr/>
+        <p:txBody>
+          <a:bodyPr/>
+          <a:lstStyle/>
+          <a:p>
+            <a:r>
+              <a:rPr lang="en-US" dirty="0"/>
+              <a:t>Visualization: Seasonality</a:t>
+            </a:r>
+          </a:p>
+        </p:txBody>
+      </p:sp>
+      <p:pic>
+        <p:nvPicPr>
+          <p:cNvPr id="7" name="Content Placeholder 6">
+            <a:extLst>
+              <a:ext uri="{FF2B5EF4-FFF2-40B4-BE49-F238E27FC236}">
+                <a16:creationId xmlns:a16="http://schemas.microsoft.com/office/drawing/2014/main" id="{04081C03-2516-CAEE-620C-333D752E55CE}"/>
+              </a:ext>
+            </a:extLst>
+          </p:cNvPr>
+          <p:cNvPicPr>
+            <a:picLocks noGrp="1" noChangeAspect="1"/>
+          </p:cNvPicPr>
+          <p:nvPr>
+            <p:ph idx="1"/>
+          </p:nvPr>
+        </p:nvPicPr>
+        <p:blipFill>
+          <a:blip r:embed="rId2"/>
+          <a:stretch>
+            <a:fillRect/>
+          </a:stretch>
+        </p:blipFill>
+        <p:spPr>
+          <a:xfrm>
+            <a:off x="838200" y="1378334"/>
+            <a:ext cx="9210368" cy="5092792"/>
+          </a:xfrm>
+          <a:prstGeom prst="rect">
+            <a:avLst/>
+          </a:prstGeom>
+        </p:spPr>
+      </p:pic>
+    </p:spTree>
+    <p:extLst>
+      <p:ext uri="{BB962C8B-B14F-4D97-AF65-F5344CB8AC3E}">
+        <p14:creationId xmlns:p14="http://schemas.microsoft.com/office/powerpoint/2010/main" val="4119166362"/>
+      </p:ext>
+    </p:extLst>
+  </p:cSld>
+  <p:clrMapOvr>
+    <a:masterClrMapping/>
+  </p:clrMapOvr>
+</p:sld>
+</file>
+
+<file path=ppt/slides/slide12.xml><?xml version="1.0" encoding="utf-8"?>
+<p:sld xmlns:a="http://schemas.openxmlformats.org/drawingml/2006/main" xmlns:r="http://schemas.openxmlformats.org/officeDocument/2006/relationships" xmlns:p="http://schemas.openxmlformats.org/presentationml/2006/main">
+  <p:cSld>
+    <p:spTree>
+      <p:nvGrpSpPr>
+        <p:cNvPr id="1" name=""/>
+        <p:cNvGrpSpPr/>
+        <p:nvPr/>
+      </p:nvGrpSpPr>
+      <p:grpSpPr>
+        <a:xfrm>
+          <a:off x="0" y="0"/>
+          <a:ext cx="0" cy="0"/>
+          <a:chOff x="0" y="0"/>
+          <a:chExt cx="0" cy="0"/>
+        </a:xfrm>
+      </p:grpSpPr>
+      <p:sp>
+        <p:nvSpPr>
+          <p:cNvPr id="2" name="Title 1">
+            <a:extLst>
+              <a:ext uri="{FF2B5EF4-FFF2-40B4-BE49-F238E27FC236}">
                 <a16:creationId xmlns:a16="http://schemas.microsoft.com/office/drawing/2014/main" id="{D8B9268F-1F67-ACDD-C199-A80FE2CED995}"/>
               </a:ext>
             </a:extLst>
@@ -6567,7 +6750,7 @@
 </p:sld>
 </file>
 
-<file path=ppt/slides/slide11.xml><?xml version="1.0" encoding="utf-8"?>
+<file path=ppt/slides/slide13.xml><?xml version="1.0" encoding="utf-8"?>
 <p:sld xmlns:a="http://schemas.openxmlformats.org/drawingml/2006/main" xmlns:r="http://schemas.openxmlformats.org/officeDocument/2006/relationships" xmlns:p="http://schemas.openxmlformats.org/presentationml/2006/main">
   <p:cSld>
     <p:spTree>
@@ -6700,7 +6883,7 @@
 </p:sld>
 </file>
 
-<file path=ppt/slides/slide12.xml><?xml version="1.0" encoding="utf-8"?>
+<file path=ppt/slides/slide14.xml><?xml version="1.0" encoding="utf-8"?>
 <p:sld xmlns:a="http://schemas.openxmlformats.org/drawingml/2006/main" xmlns:r="http://schemas.openxmlformats.org/officeDocument/2006/relationships" xmlns:p="http://schemas.openxmlformats.org/presentationml/2006/main">
   <p:cSld>
     <p:spTree>
@@ -6826,7 +7009,7 @@
 </p:sld>
 </file>
 
-<file path=ppt/slides/slide13.xml><?xml version="1.0" encoding="utf-8"?>
+<file path=ppt/slides/slide15.xml><?xml version="1.0" encoding="utf-8"?>
 <p:sld xmlns:a="http://schemas.openxmlformats.org/drawingml/2006/main" xmlns:r="http://schemas.openxmlformats.org/officeDocument/2006/relationships" xmlns:p="http://schemas.openxmlformats.org/presentationml/2006/main">
   <p:cSld>
     <p:spTree>
@@ -6965,239 +7148,6 @@
     <p:extLst>
       <p:ext uri="{BB962C8B-B14F-4D97-AF65-F5344CB8AC3E}">
         <p14:creationId xmlns:p14="http://schemas.microsoft.com/office/powerpoint/2010/main" val="3343024862"/>
-      </p:ext>
-    </p:extLst>
-  </p:cSld>
-  <p:clrMapOvr>
-    <a:masterClrMapping/>
-  </p:clrMapOvr>
-</p:sld>
-</file>
-
-<file path=ppt/slides/slide14.xml><?xml version="1.0" encoding="utf-8"?>
-<p:sld xmlns:a="http://schemas.openxmlformats.org/drawingml/2006/main" xmlns:r="http://schemas.openxmlformats.org/officeDocument/2006/relationships" xmlns:p="http://schemas.openxmlformats.org/presentationml/2006/main">
-  <p:cSld>
-    <p:spTree>
-      <p:nvGrpSpPr>
-        <p:cNvPr id="1" name=""/>
-        <p:cNvGrpSpPr/>
-        <p:nvPr/>
-      </p:nvGrpSpPr>
-      <p:grpSpPr>
-        <a:xfrm>
-          <a:off x="0" y="0"/>
-          <a:ext cx="0" cy="0"/>
-          <a:chOff x="0" y="0"/>
-          <a:chExt cx="0" cy="0"/>
-        </a:xfrm>
-      </p:grpSpPr>
-      <p:sp>
-        <p:nvSpPr>
-          <p:cNvPr id="2" name="Title 1">
-            <a:extLst>
-              <a:ext uri="{FF2B5EF4-FFF2-40B4-BE49-F238E27FC236}">
-                <a16:creationId xmlns:a16="http://schemas.microsoft.com/office/drawing/2014/main" id="{CE9F0513-CA60-64A2-97C4-4AC57DB38EEE}"/>
-              </a:ext>
-            </a:extLst>
-          </p:cNvPr>
-          <p:cNvSpPr>
-            <a:spLocks noGrp="1"/>
-          </p:cNvSpPr>
-          <p:nvPr>
-            <p:ph type="title"/>
-          </p:nvPr>
-        </p:nvSpPr>
-        <p:spPr/>
-        <p:txBody>
-          <a:bodyPr/>
-          <a:lstStyle/>
-          <a:p>
-            <a:r>
-              <a:rPr lang="en-US" dirty="0"/>
-              <a:t>Baselining</a:t>
-            </a:r>
-          </a:p>
-        </p:txBody>
-      </p:sp>
-      <p:sp>
-        <p:nvSpPr>
-          <p:cNvPr id="3" name="Content Placeholder 2">
-            <a:extLst>
-              <a:ext uri="{FF2B5EF4-FFF2-40B4-BE49-F238E27FC236}">
-                <a16:creationId xmlns:a16="http://schemas.microsoft.com/office/drawing/2014/main" id="{15221E45-2BFF-C64B-ECBB-64C1D81A4F3C}"/>
-              </a:ext>
-            </a:extLst>
-          </p:cNvPr>
-          <p:cNvSpPr>
-            <a:spLocks noGrp="1"/>
-          </p:cNvSpPr>
-          <p:nvPr>
-            <p:ph idx="1"/>
-          </p:nvPr>
-        </p:nvSpPr>
-        <p:spPr/>
-        <p:txBody>
-          <a:bodyPr/>
-          <a:lstStyle/>
-          <a:p>
-            <a:r>
-              <a:rPr lang="en-US" dirty="0"/>
-              <a:t>Setting up a test harness</a:t>
-            </a:r>
-          </a:p>
-          <a:p>
-            <a:r>
-              <a:rPr lang="en-US" dirty="0"/>
-              <a:t>Generating strong baseline forecasts (classical and statistical methods)</a:t>
-            </a:r>
-          </a:p>
-          <a:p>
-            <a:r>
-              <a:rPr lang="en-US" dirty="0"/>
-              <a:t>Assessing the </a:t>
-            </a:r>
-            <a:r>
-              <a:rPr lang="en-US" dirty="0" err="1"/>
-              <a:t>forecastability</a:t>
-            </a:r>
-            <a:r>
-              <a:rPr lang="en-US" dirty="0"/>
-              <a:t> of a time series</a:t>
-            </a:r>
-          </a:p>
-          <a:p>
-            <a:endParaRPr lang="en-US" dirty="0"/>
-          </a:p>
-        </p:txBody>
-      </p:sp>
-    </p:spTree>
-    <p:extLst>
-      <p:ext uri="{BB962C8B-B14F-4D97-AF65-F5344CB8AC3E}">
-        <p14:creationId xmlns:p14="http://schemas.microsoft.com/office/powerpoint/2010/main" val="2629073004"/>
-      </p:ext>
-    </p:extLst>
-  </p:cSld>
-  <p:clrMapOvr>
-    <a:masterClrMapping/>
-  </p:clrMapOvr>
-</p:sld>
-</file>
-
-<file path=ppt/slides/slide15.xml><?xml version="1.0" encoding="utf-8"?>
-<p:sld xmlns:a="http://schemas.openxmlformats.org/drawingml/2006/main" xmlns:r="http://schemas.openxmlformats.org/officeDocument/2006/relationships" xmlns:p="http://schemas.openxmlformats.org/presentationml/2006/main">
-  <p:cSld>
-    <p:spTree>
-      <p:nvGrpSpPr>
-        <p:cNvPr id="1" name=""/>
-        <p:cNvGrpSpPr/>
-        <p:nvPr/>
-      </p:nvGrpSpPr>
-      <p:grpSpPr>
-        <a:xfrm>
-          <a:off x="0" y="0"/>
-          <a:ext cx="0" cy="0"/>
-          <a:chOff x="0" y="0"/>
-          <a:chExt cx="0" cy="0"/>
-        </a:xfrm>
-      </p:grpSpPr>
-      <p:sp>
-        <p:nvSpPr>
-          <p:cNvPr id="2" name="Title 1">
-            <a:extLst>
-              <a:ext uri="{FF2B5EF4-FFF2-40B4-BE49-F238E27FC236}">
-                <a16:creationId xmlns:a16="http://schemas.microsoft.com/office/drawing/2014/main" id="{627F8A58-C54D-A3D7-43D0-A4CF8470B8C9}"/>
-              </a:ext>
-            </a:extLst>
-          </p:cNvPr>
-          <p:cNvSpPr>
-            <a:spLocks noGrp="1"/>
-          </p:cNvSpPr>
-          <p:nvPr>
-            <p:ph type="title"/>
-          </p:nvPr>
-        </p:nvSpPr>
-        <p:spPr/>
-        <p:txBody>
-          <a:bodyPr/>
-          <a:lstStyle/>
-          <a:p>
-            <a:r>
-              <a:rPr lang="en-US" dirty="0"/>
-              <a:t>Setting up a test harness</a:t>
-            </a:r>
-          </a:p>
-        </p:txBody>
-      </p:sp>
-      <p:sp>
-        <p:nvSpPr>
-          <p:cNvPr id="3" name="Content Placeholder 2">
-            <a:extLst>
-              <a:ext uri="{FF2B5EF4-FFF2-40B4-BE49-F238E27FC236}">
-                <a16:creationId xmlns:a16="http://schemas.microsoft.com/office/drawing/2014/main" id="{44726A30-CCF5-6B93-FB41-E295E55C0724}"/>
-              </a:ext>
-            </a:extLst>
-          </p:cNvPr>
-          <p:cNvSpPr>
-            <a:spLocks noGrp="1"/>
-          </p:cNvSpPr>
-          <p:nvPr>
-            <p:ph idx="1"/>
-          </p:nvPr>
-        </p:nvSpPr>
-        <p:spPr/>
-        <p:txBody>
-          <a:bodyPr/>
-          <a:lstStyle/>
-          <a:p>
-            <a:r>
-              <a:rPr lang="en-US" dirty="0"/>
-              <a:t>Train, Validation and Test</a:t>
-            </a:r>
-          </a:p>
-          <a:p>
-            <a:r>
-              <a:rPr lang="en-US" dirty="0"/>
-              <a:t>Evaluation metric</a:t>
-            </a:r>
-          </a:p>
-          <a:p>
-            <a:pPr lvl="1"/>
-            <a:r>
-              <a:rPr lang="en-US" dirty="0"/>
-              <a:t>Mean Absolute Error (MAE)</a:t>
-            </a:r>
-          </a:p>
-          <a:p>
-            <a:pPr lvl="1"/>
-            <a:r>
-              <a:rPr lang="en-US" dirty="0"/>
-              <a:t>Mean Square Error (MSE)</a:t>
-            </a:r>
-          </a:p>
-          <a:p>
-            <a:pPr lvl="1"/>
-            <a:r>
-              <a:rPr lang="en-US" dirty="0"/>
-              <a:t>Mean Absolute Scaled Error (MASE)</a:t>
-            </a:r>
-          </a:p>
-          <a:p>
-            <a:pPr lvl="1"/>
-            <a:r>
-              <a:rPr lang="en-US" dirty="0"/>
-              <a:t>Forecast Bias (FB)</a:t>
-            </a:r>
-          </a:p>
-          <a:p>
-            <a:pPr lvl="1"/>
-            <a:endParaRPr lang="en-US" dirty="0"/>
-          </a:p>
-        </p:txBody>
-      </p:sp>
-    </p:spTree>
-    <p:extLst>
-      <p:ext uri="{BB962C8B-B14F-4D97-AF65-F5344CB8AC3E}">
-        <p14:creationId xmlns:p14="http://schemas.microsoft.com/office/powerpoint/2010/main" val="4271600203"/>
       </p:ext>
     </p:extLst>
   </p:cSld>
@@ -7229,6 +7179,239 @@
           <p:cNvPr id="2" name="Title 1">
             <a:extLst>
               <a:ext uri="{FF2B5EF4-FFF2-40B4-BE49-F238E27FC236}">
+                <a16:creationId xmlns:a16="http://schemas.microsoft.com/office/drawing/2014/main" id="{CE9F0513-CA60-64A2-97C4-4AC57DB38EEE}"/>
+              </a:ext>
+            </a:extLst>
+          </p:cNvPr>
+          <p:cNvSpPr>
+            <a:spLocks noGrp="1"/>
+          </p:cNvSpPr>
+          <p:nvPr>
+            <p:ph type="title"/>
+          </p:nvPr>
+        </p:nvSpPr>
+        <p:spPr/>
+        <p:txBody>
+          <a:bodyPr/>
+          <a:lstStyle/>
+          <a:p>
+            <a:r>
+              <a:rPr lang="en-US" dirty="0"/>
+              <a:t>Baselining</a:t>
+            </a:r>
+          </a:p>
+        </p:txBody>
+      </p:sp>
+      <p:sp>
+        <p:nvSpPr>
+          <p:cNvPr id="3" name="Content Placeholder 2">
+            <a:extLst>
+              <a:ext uri="{FF2B5EF4-FFF2-40B4-BE49-F238E27FC236}">
+                <a16:creationId xmlns:a16="http://schemas.microsoft.com/office/drawing/2014/main" id="{15221E45-2BFF-C64B-ECBB-64C1D81A4F3C}"/>
+              </a:ext>
+            </a:extLst>
+          </p:cNvPr>
+          <p:cNvSpPr>
+            <a:spLocks noGrp="1"/>
+          </p:cNvSpPr>
+          <p:nvPr>
+            <p:ph idx="1"/>
+          </p:nvPr>
+        </p:nvSpPr>
+        <p:spPr/>
+        <p:txBody>
+          <a:bodyPr/>
+          <a:lstStyle/>
+          <a:p>
+            <a:r>
+              <a:rPr lang="en-US" dirty="0"/>
+              <a:t>Setting up a test harness</a:t>
+            </a:r>
+          </a:p>
+          <a:p>
+            <a:r>
+              <a:rPr lang="en-US" dirty="0"/>
+              <a:t>Generating strong baseline forecasts (classical and statistical methods)</a:t>
+            </a:r>
+          </a:p>
+          <a:p>
+            <a:r>
+              <a:rPr lang="en-US" dirty="0"/>
+              <a:t>Assessing the </a:t>
+            </a:r>
+            <a:r>
+              <a:rPr lang="en-US" dirty="0" err="1"/>
+              <a:t>forecastability</a:t>
+            </a:r>
+            <a:r>
+              <a:rPr lang="en-US" dirty="0"/>
+              <a:t> of a time series</a:t>
+            </a:r>
+          </a:p>
+          <a:p>
+            <a:endParaRPr lang="en-US" dirty="0"/>
+          </a:p>
+        </p:txBody>
+      </p:sp>
+    </p:spTree>
+    <p:extLst>
+      <p:ext uri="{BB962C8B-B14F-4D97-AF65-F5344CB8AC3E}">
+        <p14:creationId xmlns:p14="http://schemas.microsoft.com/office/powerpoint/2010/main" val="2629073004"/>
+      </p:ext>
+    </p:extLst>
+  </p:cSld>
+  <p:clrMapOvr>
+    <a:masterClrMapping/>
+  </p:clrMapOvr>
+</p:sld>
+</file>
+
+<file path=ppt/slides/slide17.xml><?xml version="1.0" encoding="utf-8"?>
+<p:sld xmlns:a="http://schemas.openxmlformats.org/drawingml/2006/main" xmlns:r="http://schemas.openxmlformats.org/officeDocument/2006/relationships" xmlns:p="http://schemas.openxmlformats.org/presentationml/2006/main">
+  <p:cSld>
+    <p:spTree>
+      <p:nvGrpSpPr>
+        <p:cNvPr id="1" name=""/>
+        <p:cNvGrpSpPr/>
+        <p:nvPr/>
+      </p:nvGrpSpPr>
+      <p:grpSpPr>
+        <a:xfrm>
+          <a:off x="0" y="0"/>
+          <a:ext cx="0" cy="0"/>
+          <a:chOff x="0" y="0"/>
+          <a:chExt cx="0" cy="0"/>
+        </a:xfrm>
+      </p:grpSpPr>
+      <p:sp>
+        <p:nvSpPr>
+          <p:cNvPr id="2" name="Title 1">
+            <a:extLst>
+              <a:ext uri="{FF2B5EF4-FFF2-40B4-BE49-F238E27FC236}">
+                <a16:creationId xmlns:a16="http://schemas.microsoft.com/office/drawing/2014/main" id="{627F8A58-C54D-A3D7-43D0-A4CF8470B8C9}"/>
+              </a:ext>
+            </a:extLst>
+          </p:cNvPr>
+          <p:cNvSpPr>
+            <a:spLocks noGrp="1"/>
+          </p:cNvSpPr>
+          <p:nvPr>
+            <p:ph type="title"/>
+          </p:nvPr>
+        </p:nvSpPr>
+        <p:spPr/>
+        <p:txBody>
+          <a:bodyPr/>
+          <a:lstStyle/>
+          <a:p>
+            <a:r>
+              <a:rPr lang="en-US" dirty="0"/>
+              <a:t>Setting up a test harness</a:t>
+            </a:r>
+          </a:p>
+        </p:txBody>
+      </p:sp>
+      <p:sp>
+        <p:nvSpPr>
+          <p:cNvPr id="3" name="Content Placeholder 2">
+            <a:extLst>
+              <a:ext uri="{FF2B5EF4-FFF2-40B4-BE49-F238E27FC236}">
+                <a16:creationId xmlns:a16="http://schemas.microsoft.com/office/drawing/2014/main" id="{44726A30-CCF5-6B93-FB41-E295E55C0724}"/>
+              </a:ext>
+            </a:extLst>
+          </p:cNvPr>
+          <p:cNvSpPr>
+            <a:spLocks noGrp="1"/>
+          </p:cNvSpPr>
+          <p:nvPr>
+            <p:ph idx="1"/>
+          </p:nvPr>
+        </p:nvSpPr>
+        <p:spPr/>
+        <p:txBody>
+          <a:bodyPr/>
+          <a:lstStyle/>
+          <a:p>
+            <a:r>
+              <a:rPr lang="en-US" dirty="0"/>
+              <a:t>Train, Validation and Test</a:t>
+            </a:r>
+          </a:p>
+          <a:p>
+            <a:r>
+              <a:rPr lang="en-US" dirty="0"/>
+              <a:t>Evaluation metric</a:t>
+            </a:r>
+          </a:p>
+          <a:p>
+            <a:pPr lvl="1"/>
+            <a:r>
+              <a:rPr lang="en-US" dirty="0"/>
+              <a:t>Mean Absolute Error (MAE)</a:t>
+            </a:r>
+          </a:p>
+          <a:p>
+            <a:pPr lvl="1"/>
+            <a:r>
+              <a:rPr lang="en-US" dirty="0"/>
+              <a:t>Mean Square Error (MSE)</a:t>
+            </a:r>
+          </a:p>
+          <a:p>
+            <a:pPr lvl="1"/>
+            <a:r>
+              <a:rPr lang="en-US" dirty="0"/>
+              <a:t>Mean Absolute Scaled Error (MASE)</a:t>
+            </a:r>
+          </a:p>
+          <a:p>
+            <a:pPr lvl="1"/>
+            <a:r>
+              <a:rPr lang="en-US" dirty="0"/>
+              <a:t>Forecast Bias (FB)</a:t>
+            </a:r>
+          </a:p>
+          <a:p>
+            <a:pPr lvl="1"/>
+            <a:endParaRPr lang="en-US" dirty="0"/>
+          </a:p>
+        </p:txBody>
+      </p:sp>
+    </p:spTree>
+    <p:extLst>
+      <p:ext uri="{BB962C8B-B14F-4D97-AF65-F5344CB8AC3E}">
+        <p14:creationId xmlns:p14="http://schemas.microsoft.com/office/powerpoint/2010/main" val="4271600203"/>
+      </p:ext>
+    </p:extLst>
+  </p:cSld>
+  <p:clrMapOvr>
+    <a:masterClrMapping/>
+  </p:clrMapOvr>
+</p:sld>
+</file>
+
+<file path=ppt/slides/slide18.xml><?xml version="1.0" encoding="utf-8"?>
+<p:sld xmlns:a="http://schemas.openxmlformats.org/drawingml/2006/main" xmlns:r="http://schemas.openxmlformats.org/officeDocument/2006/relationships" xmlns:p="http://schemas.openxmlformats.org/presentationml/2006/main">
+  <p:cSld>
+    <p:spTree>
+      <p:nvGrpSpPr>
+        <p:cNvPr id="1" name=""/>
+        <p:cNvGrpSpPr/>
+        <p:nvPr/>
+      </p:nvGrpSpPr>
+      <p:grpSpPr>
+        <a:xfrm>
+          <a:off x="0" y="0"/>
+          <a:ext cx="0" cy="0"/>
+          <a:chOff x="0" y="0"/>
+          <a:chExt cx="0" cy="0"/>
+        </a:xfrm>
+      </p:grpSpPr>
+      <p:sp>
+        <p:nvSpPr>
+          <p:cNvPr id="2" name="Title 1">
+            <a:extLst>
+              <a:ext uri="{FF2B5EF4-FFF2-40B4-BE49-F238E27FC236}">
                 <a16:creationId xmlns:a16="http://schemas.microsoft.com/office/drawing/2014/main" id="{0F407960-27C5-5794-93E7-30DBAD508B13}"/>
               </a:ext>
             </a:extLst>
@@ -7305,7 +7488,7 @@
 </p:sld>
 </file>
 
-<file path=ppt/slides/slide17.xml><?xml version="1.0" encoding="utf-8"?>
+<file path=ppt/slides/slide19.xml><?xml version="1.0" encoding="utf-8"?>
 <p:sld xmlns:a="http://schemas.openxmlformats.org/drawingml/2006/main" xmlns:r="http://schemas.openxmlformats.org/officeDocument/2006/relationships" xmlns:p="http://schemas.openxmlformats.org/presentationml/2006/main">
   <p:cSld>
     <p:spTree>
@@ -7429,7 +7612,111 @@
 </p:sld>
 </file>
 
-<file path=ppt/slides/slide18.xml><?xml version="1.0" encoding="utf-8"?>
+<file path=ppt/slides/slide2.xml><?xml version="1.0" encoding="utf-8"?>
+<p:sld xmlns:a="http://schemas.openxmlformats.org/drawingml/2006/main" xmlns:r="http://schemas.openxmlformats.org/officeDocument/2006/relationships" xmlns:p="http://schemas.openxmlformats.org/presentationml/2006/main">
+  <p:cSld>
+    <p:spTree>
+      <p:nvGrpSpPr>
+        <p:cNvPr id="1" name=""/>
+        <p:cNvGrpSpPr/>
+        <p:nvPr/>
+      </p:nvGrpSpPr>
+      <p:grpSpPr>
+        <a:xfrm>
+          <a:off x="0" y="0"/>
+          <a:ext cx="0" cy="0"/>
+          <a:chOff x="0" y="0"/>
+          <a:chExt cx="0" cy="0"/>
+        </a:xfrm>
+      </p:grpSpPr>
+      <p:sp>
+        <p:nvSpPr>
+          <p:cNvPr id="2" name="Title 1">
+            <a:extLst>
+              <a:ext uri="{FF2B5EF4-FFF2-40B4-BE49-F238E27FC236}">
+                <a16:creationId xmlns:a16="http://schemas.microsoft.com/office/drawing/2014/main" id="{E1D4B853-E325-04B4-89F1-BC6602623F83}"/>
+              </a:ext>
+            </a:extLst>
+          </p:cNvPr>
+          <p:cNvSpPr>
+            <a:spLocks noGrp="1"/>
+          </p:cNvSpPr>
+          <p:nvPr>
+            <p:ph type="title"/>
+          </p:nvPr>
+        </p:nvSpPr>
+        <p:spPr/>
+        <p:txBody>
+          <a:bodyPr/>
+          <a:lstStyle/>
+          <a:p>
+            <a:r>
+              <a:rPr lang="en-US" dirty="0"/>
+              <a:t>Agenda</a:t>
+            </a:r>
+          </a:p>
+        </p:txBody>
+      </p:sp>
+      <p:sp>
+        <p:nvSpPr>
+          <p:cNvPr id="3" name="Content Placeholder 2">
+            <a:extLst>
+              <a:ext uri="{FF2B5EF4-FFF2-40B4-BE49-F238E27FC236}">
+                <a16:creationId xmlns:a16="http://schemas.microsoft.com/office/drawing/2014/main" id="{3236FFED-E44F-35FB-1DAA-73827E949EED}"/>
+              </a:ext>
+            </a:extLst>
+          </p:cNvPr>
+          <p:cNvSpPr>
+            <a:spLocks noGrp="1"/>
+          </p:cNvSpPr>
+          <p:nvPr>
+            <p:ph idx="1"/>
+          </p:nvPr>
+        </p:nvSpPr>
+        <p:spPr/>
+        <p:txBody>
+          <a:bodyPr/>
+          <a:lstStyle/>
+          <a:p>
+            <a:r>
+              <a:rPr lang="en-US" dirty="0"/>
+              <a:t>Data Preprocessing</a:t>
+            </a:r>
+          </a:p>
+          <a:p>
+            <a:r>
+              <a:rPr lang="en-US" dirty="0"/>
+              <a:t>Baselining</a:t>
+            </a:r>
+          </a:p>
+          <a:p>
+            <a:r>
+              <a:rPr lang="en-US" dirty="0"/>
+              <a:t>Machine Learning (Global Forecast Model)</a:t>
+            </a:r>
+          </a:p>
+          <a:p>
+            <a:r>
+              <a:rPr lang="en-US" dirty="0"/>
+              <a:t>Deployment</a:t>
+            </a:r>
+          </a:p>
+        </p:txBody>
+      </p:sp>
+    </p:spTree>
+    <p:extLst>
+      <p:ext uri="{BB962C8B-B14F-4D97-AF65-F5344CB8AC3E}">
+        <p14:creationId xmlns:p14="http://schemas.microsoft.com/office/powerpoint/2010/main" val="1603675595"/>
+      </p:ext>
+    </p:extLst>
+  </p:cSld>
+  <p:clrMapOvr>
+    <a:masterClrMapping/>
+  </p:clrMapOvr>
+</p:sld>
+</file>
+
+<file path=ppt/slides/slide20.xml><?xml version="1.0" encoding="utf-8"?>
 <p:sld xmlns:a="http://schemas.openxmlformats.org/drawingml/2006/main" xmlns:r="http://schemas.openxmlformats.org/officeDocument/2006/relationships" xmlns:p="http://schemas.openxmlformats.org/presentationml/2006/main">
   <p:cSld>
     <p:spTree>
@@ -7553,7 +7840,7 @@
 </p:sld>
 </file>
 
-<file path=ppt/slides/slide19.xml><?xml version="1.0" encoding="utf-8"?>
+<file path=ppt/slides/slide21.xml><?xml version="1.0" encoding="utf-8"?>
 <p:sld xmlns:a="http://schemas.openxmlformats.org/drawingml/2006/main" xmlns:r="http://schemas.openxmlformats.org/officeDocument/2006/relationships" xmlns:p="http://schemas.openxmlformats.org/presentationml/2006/main">
   <p:cSld>
     <p:spTree>
@@ -7707,111 +7994,7 @@
 </p:sld>
 </file>
 
-<file path=ppt/slides/slide2.xml><?xml version="1.0" encoding="utf-8"?>
-<p:sld xmlns:a="http://schemas.openxmlformats.org/drawingml/2006/main" xmlns:r="http://schemas.openxmlformats.org/officeDocument/2006/relationships" xmlns:p="http://schemas.openxmlformats.org/presentationml/2006/main">
-  <p:cSld>
-    <p:spTree>
-      <p:nvGrpSpPr>
-        <p:cNvPr id="1" name=""/>
-        <p:cNvGrpSpPr/>
-        <p:nvPr/>
-      </p:nvGrpSpPr>
-      <p:grpSpPr>
-        <a:xfrm>
-          <a:off x="0" y="0"/>
-          <a:ext cx="0" cy="0"/>
-          <a:chOff x="0" y="0"/>
-          <a:chExt cx="0" cy="0"/>
-        </a:xfrm>
-      </p:grpSpPr>
-      <p:sp>
-        <p:nvSpPr>
-          <p:cNvPr id="2" name="Title 1">
-            <a:extLst>
-              <a:ext uri="{FF2B5EF4-FFF2-40B4-BE49-F238E27FC236}">
-                <a16:creationId xmlns:a16="http://schemas.microsoft.com/office/drawing/2014/main" id="{E1D4B853-E325-04B4-89F1-BC6602623F83}"/>
-              </a:ext>
-            </a:extLst>
-          </p:cNvPr>
-          <p:cNvSpPr>
-            <a:spLocks noGrp="1"/>
-          </p:cNvSpPr>
-          <p:nvPr>
-            <p:ph type="title"/>
-          </p:nvPr>
-        </p:nvSpPr>
-        <p:spPr/>
-        <p:txBody>
-          <a:bodyPr/>
-          <a:lstStyle/>
-          <a:p>
-            <a:r>
-              <a:rPr lang="en-US" dirty="0"/>
-              <a:t>Agenda</a:t>
-            </a:r>
-          </a:p>
-        </p:txBody>
-      </p:sp>
-      <p:sp>
-        <p:nvSpPr>
-          <p:cNvPr id="3" name="Content Placeholder 2">
-            <a:extLst>
-              <a:ext uri="{FF2B5EF4-FFF2-40B4-BE49-F238E27FC236}">
-                <a16:creationId xmlns:a16="http://schemas.microsoft.com/office/drawing/2014/main" id="{3236FFED-E44F-35FB-1DAA-73827E949EED}"/>
-              </a:ext>
-            </a:extLst>
-          </p:cNvPr>
-          <p:cNvSpPr>
-            <a:spLocks noGrp="1"/>
-          </p:cNvSpPr>
-          <p:nvPr>
-            <p:ph idx="1"/>
-          </p:nvPr>
-        </p:nvSpPr>
-        <p:spPr/>
-        <p:txBody>
-          <a:bodyPr/>
-          <a:lstStyle/>
-          <a:p>
-            <a:r>
-              <a:rPr lang="en-US" dirty="0"/>
-              <a:t>Data Preprocessing</a:t>
-            </a:r>
-          </a:p>
-          <a:p>
-            <a:r>
-              <a:rPr lang="en-US" dirty="0"/>
-              <a:t>Baselining</a:t>
-            </a:r>
-          </a:p>
-          <a:p>
-            <a:r>
-              <a:rPr lang="en-US" dirty="0"/>
-              <a:t>Machine Learning (Global Forecast Model)</a:t>
-            </a:r>
-          </a:p>
-          <a:p>
-            <a:r>
-              <a:rPr lang="en-US" dirty="0"/>
-              <a:t>Deployment</a:t>
-            </a:r>
-          </a:p>
-        </p:txBody>
-      </p:sp>
-    </p:spTree>
-    <p:extLst>
-      <p:ext uri="{BB962C8B-B14F-4D97-AF65-F5344CB8AC3E}">
-        <p14:creationId xmlns:p14="http://schemas.microsoft.com/office/powerpoint/2010/main" val="1603675595"/>
-      </p:ext>
-    </p:extLst>
-  </p:cSld>
-  <p:clrMapOvr>
-    <a:masterClrMapping/>
-  </p:clrMapOvr>
-</p:sld>
-</file>
-
-<file path=ppt/slides/slide20.xml><?xml version="1.0" encoding="utf-8"?>
+<file path=ppt/slides/slide22.xml><?xml version="1.0" encoding="utf-8"?>
 <p:sld xmlns:a="http://schemas.openxmlformats.org/drawingml/2006/main" xmlns:r="http://schemas.openxmlformats.org/officeDocument/2006/relationships" xmlns:p="http://schemas.openxmlformats.org/presentationml/2006/main">
   <p:cSld>
     <p:spTree>
@@ -7932,7 +8115,7 @@
 </p:sld>
 </file>
 
-<file path=ppt/slides/slide21.xml><?xml version="1.0" encoding="utf-8"?>
+<file path=ppt/slides/slide23.xml><?xml version="1.0" encoding="utf-8"?>
 <p:sld xmlns:a="http://schemas.openxmlformats.org/drawingml/2006/main" xmlns:r="http://schemas.openxmlformats.org/officeDocument/2006/relationships" xmlns:p="http://schemas.openxmlformats.org/presentationml/2006/main">
   <p:cSld>
     <p:spTree>
@@ -8175,7 +8358,7 @@
 </p:sld>
 </file>
 
-<file path=ppt/slides/slide22.xml><?xml version="1.0" encoding="utf-8"?>
+<file path=ppt/slides/slide24.xml><?xml version="1.0" encoding="utf-8"?>
 <p:sld xmlns:a="http://schemas.openxmlformats.org/drawingml/2006/main" xmlns:r="http://schemas.openxmlformats.org/officeDocument/2006/relationships" xmlns:p="http://schemas.openxmlformats.org/presentationml/2006/main">
   <p:cSld>
     <p:spTree>
@@ -8295,7 +8478,7 @@
 </p:sld>
 </file>
 
-<file path=ppt/slides/slide23.xml><?xml version="1.0" encoding="utf-8"?>
+<file path=ppt/slides/slide25.xml><?xml version="1.0" encoding="utf-8"?>
 <p:sld xmlns:a="http://schemas.openxmlformats.org/drawingml/2006/main" xmlns:r="http://schemas.openxmlformats.org/officeDocument/2006/relationships" xmlns:p="http://schemas.openxmlformats.org/presentationml/2006/main">
   <p:cSld>
     <p:spTree>
@@ -8544,7 +8727,7 @@
 </p:sld>
 </file>
 
-<file path=ppt/slides/slide24.xml><?xml version="1.0" encoding="utf-8"?>
+<file path=ppt/slides/slide26.xml><?xml version="1.0" encoding="utf-8"?>
 <p:sld xmlns:a="http://schemas.openxmlformats.org/drawingml/2006/main" xmlns:r="http://schemas.openxmlformats.org/officeDocument/2006/relationships" xmlns:p="http://schemas.openxmlformats.org/presentationml/2006/main">
   <p:cSld>
     <p:spTree>
@@ -8686,7 +8869,7 @@
 </p:sld>
 </file>
 
-<file path=ppt/slides/slide25.xml><?xml version="1.0" encoding="utf-8"?>
+<file path=ppt/slides/slide27.xml><?xml version="1.0" encoding="utf-8"?>
 <p:sld xmlns:a="http://schemas.openxmlformats.org/drawingml/2006/main" xmlns:r="http://schemas.openxmlformats.org/officeDocument/2006/relationships" xmlns:p="http://schemas.openxmlformats.org/presentationml/2006/main">
   <p:cSld>
     <p:spTree>
@@ -8780,7 +8963,7 @@
 </p:sld>
 </file>
 
-<file path=ppt/slides/slide26.xml><?xml version="1.0" encoding="utf-8"?>
+<file path=ppt/slides/slide28.xml><?xml version="1.0" encoding="utf-8"?>
 <p:sld xmlns:a="http://schemas.openxmlformats.org/drawingml/2006/main" xmlns:r="http://schemas.openxmlformats.org/officeDocument/2006/relationships" xmlns:p="http://schemas.openxmlformats.org/presentationml/2006/main">
   <p:cSld>
     <p:spTree>
@@ -9278,7 +9461,7 @@
 </p:sld>
 </file>
 
-<file path=ppt/slides/slide27.xml><?xml version="1.0" encoding="utf-8"?>
+<file path=ppt/slides/slide29.xml><?xml version="1.0" encoding="utf-8"?>
 <p:sld xmlns:a="http://schemas.openxmlformats.org/drawingml/2006/main" xmlns:r="http://schemas.openxmlformats.org/officeDocument/2006/relationships" xmlns:p="http://schemas.openxmlformats.org/presentationml/2006/main">
   <p:cSld>
     <p:spTree>
@@ -9374,7 +9557,111 @@
 </p:sld>
 </file>
 
-<file path=ppt/slides/slide28.xml><?xml version="1.0" encoding="utf-8"?>
+<file path=ppt/slides/slide3.xml><?xml version="1.0" encoding="utf-8"?>
+<p:sld xmlns:a="http://schemas.openxmlformats.org/drawingml/2006/main" xmlns:r="http://schemas.openxmlformats.org/officeDocument/2006/relationships" xmlns:p="http://schemas.openxmlformats.org/presentationml/2006/main">
+  <p:cSld>
+    <p:spTree>
+      <p:nvGrpSpPr>
+        <p:cNvPr id="1" name=""/>
+        <p:cNvGrpSpPr/>
+        <p:nvPr/>
+      </p:nvGrpSpPr>
+      <p:grpSpPr>
+        <a:xfrm>
+          <a:off x="0" y="0"/>
+          <a:ext cx="0" cy="0"/>
+          <a:chOff x="0" y="0"/>
+          <a:chExt cx="0" cy="0"/>
+        </a:xfrm>
+      </p:grpSpPr>
+      <p:sp>
+        <p:nvSpPr>
+          <p:cNvPr id="2" name="Title 1">
+            <a:extLst>
+              <a:ext uri="{FF2B5EF4-FFF2-40B4-BE49-F238E27FC236}">
+                <a16:creationId xmlns:a16="http://schemas.microsoft.com/office/drawing/2014/main" id="{2461332F-7B8F-4532-273B-D6A521994514}"/>
+              </a:ext>
+            </a:extLst>
+          </p:cNvPr>
+          <p:cNvSpPr>
+            <a:spLocks noGrp="1"/>
+          </p:cNvSpPr>
+          <p:nvPr>
+            <p:ph type="title"/>
+          </p:nvPr>
+        </p:nvSpPr>
+        <p:spPr/>
+        <p:txBody>
+          <a:bodyPr/>
+          <a:lstStyle/>
+          <a:p>
+            <a:r>
+              <a:rPr lang="en-US" dirty="0"/>
+              <a:t>Data Preprocessing</a:t>
+            </a:r>
+          </a:p>
+        </p:txBody>
+      </p:sp>
+      <p:sp>
+        <p:nvSpPr>
+          <p:cNvPr id="3" name="Content Placeholder 2">
+            <a:extLst>
+              <a:ext uri="{FF2B5EF4-FFF2-40B4-BE49-F238E27FC236}">
+                <a16:creationId xmlns:a16="http://schemas.microsoft.com/office/drawing/2014/main" id="{D5DAD30D-F3BD-DE5B-9EC5-FD31D1C190D0}"/>
+              </a:ext>
+            </a:extLst>
+          </p:cNvPr>
+          <p:cNvSpPr>
+            <a:spLocks noGrp="1"/>
+          </p:cNvSpPr>
+          <p:nvPr>
+            <p:ph idx="1"/>
+          </p:nvPr>
+        </p:nvSpPr>
+        <p:spPr/>
+        <p:txBody>
+          <a:bodyPr/>
+          <a:lstStyle/>
+          <a:p>
+            <a:r>
+              <a:rPr lang="en-US" dirty="0"/>
+              <a:t>Missing data</a:t>
+            </a:r>
+          </a:p>
+          <a:p>
+            <a:r>
+              <a:rPr lang="en-US" dirty="0"/>
+              <a:t>Visualization</a:t>
+            </a:r>
+          </a:p>
+          <a:p>
+            <a:r>
+              <a:rPr lang="en-US" dirty="0"/>
+              <a:t>Decomposition</a:t>
+            </a:r>
+          </a:p>
+          <a:p>
+            <a:r>
+              <a:rPr lang="en-US" dirty="0"/>
+              <a:t>Outlier handling</a:t>
+            </a:r>
+          </a:p>
+        </p:txBody>
+      </p:sp>
+    </p:spTree>
+    <p:extLst>
+      <p:ext uri="{BB962C8B-B14F-4D97-AF65-F5344CB8AC3E}">
+        <p14:creationId xmlns:p14="http://schemas.microsoft.com/office/powerpoint/2010/main" val="1914779034"/>
+      </p:ext>
+    </p:extLst>
+  </p:cSld>
+  <p:clrMapOvr>
+    <a:masterClrMapping/>
+  </p:clrMapOvr>
+</p:sld>
+</file>
+
+<file path=ppt/slides/slide30.xml><?xml version="1.0" encoding="utf-8"?>
 <p:sld xmlns:a="http://schemas.openxmlformats.org/drawingml/2006/main" xmlns:r="http://schemas.openxmlformats.org/officeDocument/2006/relationships" xmlns:p="http://schemas.openxmlformats.org/presentationml/2006/main">
   <p:cSld>
     <p:spTree>
@@ -9969,7 +10256,7 @@
 </p:sld>
 </file>
 
-<file path=ppt/slides/slide29.xml><?xml version="1.0" encoding="utf-8"?>
+<file path=ppt/slides/slide31.xml><?xml version="1.0" encoding="utf-8"?>
 <p:sld xmlns:a="http://schemas.openxmlformats.org/drawingml/2006/main" xmlns:r="http://schemas.openxmlformats.org/officeDocument/2006/relationships" xmlns:p="http://schemas.openxmlformats.org/presentationml/2006/main">
   <p:cSld>
     <p:spTree>
@@ -10109,111 +10396,7 @@
 </p:sld>
 </file>
 
-<file path=ppt/slides/slide3.xml><?xml version="1.0" encoding="utf-8"?>
-<p:sld xmlns:a="http://schemas.openxmlformats.org/drawingml/2006/main" xmlns:r="http://schemas.openxmlformats.org/officeDocument/2006/relationships" xmlns:p="http://schemas.openxmlformats.org/presentationml/2006/main">
-  <p:cSld>
-    <p:spTree>
-      <p:nvGrpSpPr>
-        <p:cNvPr id="1" name=""/>
-        <p:cNvGrpSpPr/>
-        <p:nvPr/>
-      </p:nvGrpSpPr>
-      <p:grpSpPr>
-        <a:xfrm>
-          <a:off x="0" y="0"/>
-          <a:ext cx="0" cy="0"/>
-          <a:chOff x="0" y="0"/>
-          <a:chExt cx="0" cy="0"/>
-        </a:xfrm>
-      </p:grpSpPr>
-      <p:sp>
-        <p:nvSpPr>
-          <p:cNvPr id="2" name="Title 1">
-            <a:extLst>
-              <a:ext uri="{FF2B5EF4-FFF2-40B4-BE49-F238E27FC236}">
-                <a16:creationId xmlns:a16="http://schemas.microsoft.com/office/drawing/2014/main" id="{2461332F-7B8F-4532-273B-D6A521994514}"/>
-              </a:ext>
-            </a:extLst>
-          </p:cNvPr>
-          <p:cNvSpPr>
-            <a:spLocks noGrp="1"/>
-          </p:cNvSpPr>
-          <p:nvPr>
-            <p:ph type="title"/>
-          </p:nvPr>
-        </p:nvSpPr>
-        <p:spPr/>
-        <p:txBody>
-          <a:bodyPr/>
-          <a:lstStyle/>
-          <a:p>
-            <a:r>
-              <a:rPr lang="en-US" dirty="0"/>
-              <a:t>Data Preprocessing</a:t>
-            </a:r>
-          </a:p>
-        </p:txBody>
-      </p:sp>
-      <p:sp>
-        <p:nvSpPr>
-          <p:cNvPr id="3" name="Content Placeholder 2">
-            <a:extLst>
-              <a:ext uri="{FF2B5EF4-FFF2-40B4-BE49-F238E27FC236}">
-                <a16:creationId xmlns:a16="http://schemas.microsoft.com/office/drawing/2014/main" id="{D5DAD30D-F3BD-DE5B-9EC5-FD31D1C190D0}"/>
-              </a:ext>
-            </a:extLst>
-          </p:cNvPr>
-          <p:cNvSpPr>
-            <a:spLocks noGrp="1"/>
-          </p:cNvSpPr>
-          <p:nvPr>
-            <p:ph idx="1"/>
-          </p:nvPr>
-        </p:nvSpPr>
-        <p:spPr/>
-        <p:txBody>
-          <a:bodyPr/>
-          <a:lstStyle/>
-          <a:p>
-            <a:r>
-              <a:rPr lang="en-US" dirty="0"/>
-              <a:t>Missing data</a:t>
-            </a:r>
-          </a:p>
-          <a:p>
-            <a:r>
-              <a:rPr lang="en-US" dirty="0"/>
-              <a:t>Visualization</a:t>
-            </a:r>
-          </a:p>
-          <a:p>
-            <a:r>
-              <a:rPr lang="en-US" dirty="0"/>
-              <a:t>Decomposition</a:t>
-            </a:r>
-          </a:p>
-          <a:p>
-            <a:r>
-              <a:rPr lang="en-US" dirty="0"/>
-              <a:t>Outlier handling</a:t>
-            </a:r>
-          </a:p>
-        </p:txBody>
-      </p:sp>
-    </p:spTree>
-    <p:extLst>
-      <p:ext uri="{BB962C8B-B14F-4D97-AF65-F5344CB8AC3E}">
-        <p14:creationId xmlns:p14="http://schemas.microsoft.com/office/powerpoint/2010/main" val="1914779034"/>
-      </p:ext>
-    </p:extLst>
-  </p:cSld>
-  <p:clrMapOvr>
-    <a:masterClrMapping/>
-  </p:clrMapOvr>
-</p:sld>
-</file>
-
-<file path=ppt/slides/slide30.xml><?xml version="1.0" encoding="utf-8"?>
+<file path=ppt/slides/slide32.xml><?xml version="1.0" encoding="utf-8"?>
 <p:sld xmlns:a="http://schemas.openxmlformats.org/drawingml/2006/main" xmlns:r="http://schemas.openxmlformats.org/officeDocument/2006/relationships" xmlns:p="http://schemas.openxmlformats.org/presentationml/2006/main">
   <p:cSld>
     <p:spTree>
@@ -10364,7 +10547,7 @@
 </p:sld>
 </file>
 
-<file path=ppt/slides/slide31.xml><?xml version="1.0" encoding="utf-8"?>
+<file path=ppt/slides/slide33.xml><?xml version="1.0" encoding="utf-8"?>
 <p:sld xmlns:a="http://schemas.openxmlformats.org/drawingml/2006/main" xmlns:r="http://schemas.openxmlformats.org/officeDocument/2006/relationships" xmlns:p="http://schemas.openxmlformats.org/presentationml/2006/main">
   <p:cSld>
     <p:spTree>
@@ -10511,7 +10694,7 @@
 </p:sld>
 </file>
 
-<file path=ppt/slides/slide32.xml><?xml version="1.0" encoding="utf-8"?>
+<file path=ppt/slides/slide34.xml><?xml version="1.0" encoding="utf-8"?>
 <p:sld xmlns:a="http://schemas.openxmlformats.org/drawingml/2006/main" xmlns:r="http://schemas.openxmlformats.org/officeDocument/2006/relationships" xmlns:p="http://schemas.openxmlformats.org/presentationml/2006/main">
   <p:cSld>
     <p:spTree>
@@ -10601,7 +10784,7 @@
 </p:sld>
 </file>
 
-<file path=ppt/slides/slide33.xml><?xml version="1.0" encoding="utf-8"?>
+<file path=ppt/slides/slide35.xml><?xml version="1.0" encoding="utf-8"?>
 <p:sld xmlns:a="http://schemas.openxmlformats.org/drawingml/2006/main" xmlns:r="http://schemas.openxmlformats.org/officeDocument/2006/relationships" xmlns:p="http://schemas.openxmlformats.org/presentationml/2006/main">
   <p:cSld>
     <p:spTree>
@@ -10723,7 +10906,7 @@
 </p:sld>
 </file>
 
-<file path=ppt/slides/slide34.xml><?xml version="1.0" encoding="utf-8"?>
+<file path=ppt/slides/slide36.xml><?xml version="1.0" encoding="utf-8"?>
 <p:sld xmlns:a="http://schemas.openxmlformats.org/drawingml/2006/main" xmlns:r="http://schemas.openxmlformats.org/officeDocument/2006/relationships" xmlns:p="http://schemas.openxmlformats.org/presentationml/2006/main">
   <p:cSld>
     <p:spTree>
@@ -10852,7 +11035,7 @@
 </p:sld>
 </file>
 
-<file path=ppt/slides/slide35.xml><?xml version="1.0" encoding="utf-8"?>
+<file path=ppt/slides/slide37.xml><?xml version="1.0" encoding="utf-8"?>
 <p:sld xmlns:a="http://schemas.openxmlformats.org/drawingml/2006/main" xmlns:r="http://schemas.openxmlformats.org/officeDocument/2006/relationships" xmlns:p="http://schemas.openxmlformats.org/presentationml/2006/main">
   <p:cSld>
     <p:spTree>
@@ -10942,193 +11125,6 @@
 </p:sld>
 </file>
 
-<file path=ppt/slides/slide36.xml><?xml version="1.0" encoding="utf-8"?>
-<p:sld xmlns:a="http://schemas.openxmlformats.org/drawingml/2006/main" xmlns:r="http://schemas.openxmlformats.org/officeDocument/2006/relationships" xmlns:p="http://schemas.openxmlformats.org/presentationml/2006/main">
-  <p:cSld>
-    <p:spTree>
-      <p:nvGrpSpPr>
-        <p:cNvPr id="1" name=""/>
-        <p:cNvGrpSpPr/>
-        <p:nvPr/>
-      </p:nvGrpSpPr>
-      <p:grpSpPr>
-        <a:xfrm>
-          <a:off x="0" y="0"/>
-          <a:ext cx="0" cy="0"/>
-          <a:chOff x="0" y="0"/>
-          <a:chExt cx="0" cy="0"/>
-        </a:xfrm>
-      </p:grpSpPr>
-      <p:sp>
-        <p:nvSpPr>
-          <p:cNvPr id="2" name="Title 1">
-            <a:extLst>
-              <a:ext uri="{FF2B5EF4-FFF2-40B4-BE49-F238E27FC236}">
-                <a16:creationId xmlns:a16="http://schemas.microsoft.com/office/drawing/2014/main" id="{3BB2E6FB-C484-E005-4844-5C9567C17159}"/>
-              </a:ext>
-            </a:extLst>
-          </p:cNvPr>
-          <p:cNvSpPr>
-            <a:spLocks noGrp="1"/>
-          </p:cNvSpPr>
-          <p:nvPr>
-            <p:ph type="title"/>
-          </p:nvPr>
-        </p:nvSpPr>
-        <p:spPr/>
-        <p:txBody>
-          <a:bodyPr/>
-          <a:lstStyle/>
-          <a:p>
-            <a:r>
-              <a:rPr lang="en-US" dirty="0"/>
-              <a:t>Deployment</a:t>
-            </a:r>
-          </a:p>
-        </p:txBody>
-      </p:sp>
-      <p:graphicFrame>
-        <p:nvGraphicFramePr>
-          <p:cNvPr id="4" name="Content Placeholder 3">
-            <a:extLst>
-              <a:ext uri="{FF2B5EF4-FFF2-40B4-BE49-F238E27FC236}">
-                <a16:creationId xmlns:a16="http://schemas.microsoft.com/office/drawing/2014/main" id="{97ABF3AF-3152-600C-5A08-AAF9719F124C}"/>
-              </a:ext>
-            </a:extLst>
-          </p:cNvPr>
-          <p:cNvGraphicFramePr>
-            <a:graphicFrameLocks noGrp="1"/>
-          </p:cNvGraphicFramePr>
-          <p:nvPr>
-            <p:ph idx="1"/>
-            <p:extLst>
-              <p:ext uri="{D42A27DB-BD31-4B8C-83A1-F6EECF244321}">
-                <p14:modId xmlns:p14="http://schemas.microsoft.com/office/powerpoint/2010/main" val="781726395"/>
-              </p:ext>
-            </p:extLst>
-          </p:nvPr>
-        </p:nvGraphicFramePr>
-        <p:xfrm>
-          <a:off x="838200" y="1825625"/>
-          <a:ext cx="10515600" cy="4351338"/>
-        </p:xfrm>
-        <a:graphic>
-          <a:graphicData uri="http://schemas.openxmlformats.org/drawingml/2006/diagram">
-            <dgm:relIds xmlns:dgm="http://schemas.openxmlformats.org/drawingml/2006/diagram" xmlns:r="http://schemas.openxmlformats.org/officeDocument/2006/relationships" r:dm="rId2" r:lo="rId3" r:qs="rId4" r:cs="rId5"/>
-          </a:graphicData>
-        </a:graphic>
-      </p:graphicFrame>
-    </p:spTree>
-    <p:extLst>
-      <p:ext uri="{BB962C8B-B14F-4D97-AF65-F5344CB8AC3E}">
-        <p14:creationId xmlns:p14="http://schemas.microsoft.com/office/powerpoint/2010/main" val="4011797827"/>
-      </p:ext>
-    </p:extLst>
-  </p:cSld>
-  <p:clrMapOvr>
-    <a:masterClrMapping/>
-  </p:clrMapOvr>
-</p:sld>
-</file>
-
-<file path=ppt/slides/slide37.xml><?xml version="1.0" encoding="utf-8"?>
-<p:sld xmlns:a="http://schemas.openxmlformats.org/drawingml/2006/main" xmlns:r="http://schemas.openxmlformats.org/officeDocument/2006/relationships" xmlns:p="http://schemas.openxmlformats.org/presentationml/2006/main">
-  <p:cSld>
-    <p:spTree>
-      <p:nvGrpSpPr>
-        <p:cNvPr id="1" name=""/>
-        <p:cNvGrpSpPr/>
-        <p:nvPr/>
-      </p:nvGrpSpPr>
-      <p:grpSpPr>
-        <a:xfrm>
-          <a:off x="0" y="0"/>
-          <a:ext cx="0" cy="0"/>
-          <a:chOff x="0" y="0"/>
-          <a:chExt cx="0" cy="0"/>
-        </a:xfrm>
-      </p:grpSpPr>
-      <p:sp>
-        <p:nvSpPr>
-          <p:cNvPr id="2" name="Title 1">
-            <a:extLst>
-              <a:ext uri="{FF2B5EF4-FFF2-40B4-BE49-F238E27FC236}">
-                <a16:creationId xmlns:a16="http://schemas.microsoft.com/office/drawing/2014/main" id="{8809AD1B-15AC-73AB-08B3-44B57F830D43}"/>
-              </a:ext>
-            </a:extLst>
-          </p:cNvPr>
-          <p:cNvSpPr>
-            <a:spLocks noGrp="1"/>
-          </p:cNvSpPr>
-          <p:nvPr>
-            <p:ph type="title"/>
-          </p:nvPr>
-        </p:nvSpPr>
-        <p:spPr/>
-        <p:txBody>
-          <a:bodyPr/>
-          <a:lstStyle/>
-          <a:p>
-            <a:r>
-              <a:rPr lang="en-US" dirty="0"/>
-              <a:t>Deployment: Retraining</a:t>
-            </a:r>
-          </a:p>
-        </p:txBody>
-      </p:sp>
-      <p:sp>
-        <p:nvSpPr>
-          <p:cNvPr id="3" name="Content Placeholder 2">
-            <a:extLst>
-              <a:ext uri="{FF2B5EF4-FFF2-40B4-BE49-F238E27FC236}">
-                <a16:creationId xmlns:a16="http://schemas.microsoft.com/office/drawing/2014/main" id="{208B799E-274C-0F09-65CC-3B434641ED42}"/>
-              </a:ext>
-            </a:extLst>
-          </p:cNvPr>
-          <p:cNvSpPr>
-            <a:spLocks noGrp="1"/>
-          </p:cNvSpPr>
-          <p:nvPr>
-            <p:ph idx="1"/>
-          </p:nvPr>
-        </p:nvSpPr>
-        <p:spPr/>
-        <p:txBody>
-          <a:bodyPr/>
-          <a:lstStyle/>
-          <a:p>
-            <a:r>
-              <a:rPr lang="en-US" dirty="0"/>
-              <a:t>Scheduled retraining</a:t>
-            </a:r>
-          </a:p>
-          <a:p>
-            <a:r>
-              <a:rPr lang="en-US" dirty="0"/>
-              <a:t>Rolling window retraining</a:t>
-            </a:r>
-          </a:p>
-          <a:p>
-            <a:r>
-              <a:rPr lang="en-US" dirty="0"/>
-              <a:t>Performance-triggered retraining</a:t>
-            </a:r>
-          </a:p>
-        </p:txBody>
-      </p:sp>
-    </p:spTree>
-    <p:extLst>
-      <p:ext uri="{BB962C8B-B14F-4D97-AF65-F5344CB8AC3E}">
-        <p14:creationId xmlns:p14="http://schemas.microsoft.com/office/powerpoint/2010/main" val="330214908"/>
-      </p:ext>
-    </p:extLst>
-  </p:cSld>
-  <p:clrMapOvr>
-    <a:masterClrMapping/>
-  </p:clrMapOvr>
-</p:sld>
-</file>
-
 <file path=ppt/slides/slide38.xml><?xml version="1.0" encoding="utf-8"?>
 <p:sld xmlns:a="http://schemas.openxmlformats.org/drawingml/2006/main" xmlns:r="http://schemas.openxmlformats.org/officeDocument/2006/relationships" xmlns:p="http://schemas.openxmlformats.org/presentationml/2006/main">
   <p:cSld>
@@ -11151,7 +11147,7 @@
           <p:cNvPr id="2" name="Title 1">
             <a:extLst>
               <a:ext uri="{FF2B5EF4-FFF2-40B4-BE49-F238E27FC236}">
-                <a16:creationId xmlns:a16="http://schemas.microsoft.com/office/drawing/2014/main" id="{E8530FD2-6A8F-67C0-A6E9-F0556CF9F2D8}"/>
+                <a16:creationId xmlns:a16="http://schemas.microsoft.com/office/drawing/2014/main" id="{BF25D70B-3F3A-28EE-A2DF-774F45EF00C1}"/>
               </a:ext>
             </a:extLst>
           </p:cNvPr>
@@ -11169,17 +11165,76 @@
           <a:p>
             <a:r>
               <a:rPr lang="en-US" dirty="0"/>
-              <a:t>Reference Materials Used</a:t>
-            </a:r>
-          </a:p>
-        </p:txBody>
-      </p:sp>
-      <p:sp>
-        <p:nvSpPr>
-          <p:cNvPr id="3" name="Content Placeholder 2">
-            <a:extLst>
-              <a:ext uri="{FF2B5EF4-FFF2-40B4-BE49-F238E27FC236}">
-                <a16:creationId xmlns:a16="http://schemas.microsoft.com/office/drawing/2014/main" id="{E38E2CDF-6199-216E-9FB0-E453A741DF5A}"/>
+              <a:t>Submissions to Kaggle</a:t>
+            </a:r>
+          </a:p>
+        </p:txBody>
+      </p:sp>
+      <p:pic>
+        <p:nvPicPr>
+          <p:cNvPr id="5" name="Content Placeholder 4" descr="A screenshot of a web page&#10;&#10;AI-generated content may be incorrect.">
+            <a:extLst>
+              <a:ext uri="{FF2B5EF4-FFF2-40B4-BE49-F238E27FC236}">
+                <a16:creationId xmlns:a16="http://schemas.microsoft.com/office/drawing/2014/main" id="{2D7B009A-1618-774B-FF21-3C1B699CE4BB}"/>
+              </a:ext>
+            </a:extLst>
+          </p:cNvPr>
+          <p:cNvPicPr>
+            <a:picLocks noGrp="1" noChangeAspect="1"/>
+          </p:cNvPicPr>
+          <p:nvPr>
+            <p:ph idx="1"/>
+          </p:nvPr>
+        </p:nvPicPr>
+        <p:blipFill>
+          <a:blip r:embed="rId2"/>
+          <a:stretch>
+            <a:fillRect/>
+          </a:stretch>
+        </p:blipFill>
+        <p:spPr>
+          <a:xfrm>
+            <a:off x="2630861" y="1825625"/>
+            <a:ext cx="6930277" cy="4351338"/>
+          </a:xfrm>
+        </p:spPr>
+      </p:pic>
+    </p:spTree>
+    <p:extLst>
+      <p:ext uri="{BB962C8B-B14F-4D97-AF65-F5344CB8AC3E}">
+        <p14:creationId xmlns:p14="http://schemas.microsoft.com/office/powerpoint/2010/main" val="992278352"/>
+      </p:ext>
+    </p:extLst>
+  </p:cSld>
+  <p:clrMapOvr>
+    <a:masterClrMapping/>
+  </p:clrMapOvr>
+</p:sld>
+</file>
+
+<file path=ppt/slides/slide39.xml><?xml version="1.0" encoding="utf-8"?>
+<p:sld xmlns:a="http://schemas.openxmlformats.org/drawingml/2006/main" xmlns:r="http://schemas.openxmlformats.org/officeDocument/2006/relationships" xmlns:p="http://schemas.openxmlformats.org/presentationml/2006/main">
+  <p:cSld>
+    <p:spTree>
+      <p:nvGrpSpPr>
+        <p:cNvPr id="1" name=""/>
+        <p:cNvGrpSpPr/>
+        <p:nvPr/>
+      </p:nvGrpSpPr>
+      <p:grpSpPr>
+        <a:xfrm>
+          <a:off x="0" y="0"/>
+          <a:ext cx="0" cy="0"/>
+          <a:chOff x="0" y="0"/>
+          <a:chExt cx="0" cy="0"/>
+        </a:xfrm>
+      </p:grpSpPr>
+      <p:sp>
+        <p:nvSpPr>
+          <p:cNvPr id="2" name="Title 1">
+            <a:extLst>
+              <a:ext uri="{FF2B5EF4-FFF2-40B4-BE49-F238E27FC236}">
+                <a16:creationId xmlns:a16="http://schemas.microsoft.com/office/drawing/2014/main" id="{3BB2E6FB-C484-E005-4844-5C9567C17159}"/>
               </a:ext>
             </a:extLst>
           </p:cNvPr>
@@ -11187,7 +11242,7 @@
             <a:spLocks noGrp="1"/>
           </p:cNvSpPr>
           <p:nvPr>
-            <p:ph idx="1"/>
+            <p:ph type="title"/>
           </p:nvPr>
         </p:nvSpPr>
         <p:spPr/>
@@ -11196,49 +11251,47 @@
           <a:lstStyle/>
           <a:p>
             <a:r>
-              <a:rPr lang="en-US" sz="2800" dirty="0"/>
-              <a:t>Modern Time Series Forecasting with Python, Second Edition, Manu Joseph, Jeffrey Tackes</a:t>
-            </a:r>
-          </a:p>
-          <a:p>
-            <a:r>
-              <a:rPr lang="en-US" dirty="0">
-                <a:hlinkClick r:id="rId2"/>
-              </a:rPr>
-              <a:t>https://github.com/Nixtla/statsforecast</a:t>
-            </a:r>
-            <a:endParaRPr lang="en-US" dirty="0"/>
-          </a:p>
-          <a:p>
-            <a:r>
-              <a:rPr lang="en-US" dirty="0">
-                <a:hlinkClick r:id="rId3"/>
-              </a:rPr>
-              <a:t>https://github.com/Nixtla/mlforecast</a:t>
-            </a:r>
-            <a:endParaRPr lang="en-US" dirty="0"/>
-          </a:p>
-          <a:p>
-            <a:r>
-              <a:rPr lang="en-US" dirty="0"/>
-              <a:t>https://</a:t>
-            </a:r>
-            <a:r>
-              <a:rPr lang="en-US" dirty="0" err="1"/>
-              <a:t>www.kaggle.com</a:t>
-            </a:r>
-            <a:r>
-              <a:rPr lang="en-US"/>
-              <a:t>/competitions/store-sales-time-series-forecasting/overview</a:t>
-            </a:r>
-            <a:endParaRPr lang="en-US" dirty="0"/>
-          </a:p>
-        </p:txBody>
-      </p:sp>
+              <a:rPr lang="en-US" dirty="0"/>
+              <a:t>Deployment</a:t>
+            </a:r>
+          </a:p>
+        </p:txBody>
+      </p:sp>
+      <p:graphicFrame>
+        <p:nvGraphicFramePr>
+          <p:cNvPr id="4" name="Content Placeholder 3">
+            <a:extLst>
+              <a:ext uri="{FF2B5EF4-FFF2-40B4-BE49-F238E27FC236}">
+                <a16:creationId xmlns:a16="http://schemas.microsoft.com/office/drawing/2014/main" id="{97ABF3AF-3152-600C-5A08-AAF9719F124C}"/>
+              </a:ext>
+            </a:extLst>
+          </p:cNvPr>
+          <p:cNvGraphicFramePr>
+            <a:graphicFrameLocks noGrp="1"/>
+          </p:cNvGraphicFramePr>
+          <p:nvPr>
+            <p:ph idx="1"/>
+            <p:extLst>
+              <p:ext uri="{D42A27DB-BD31-4B8C-83A1-F6EECF244321}">
+                <p14:modId xmlns:p14="http://schemas.microsoft.com/office/powerpoint/2010/main" val="781726395"/>
+              </p:ext>
+            </p:extLst>
+          </p:nvPr>
+        </p:nvGraphicFramePr>
+        <p:xfrm>
+          <a:off x="838200" y="1825625"/>
+          <a:ext cx="10515600" cy="4351338"/>
+        </p:xfrm>
+        <a:graphic>
+          <a:graphicData uri="http://schemas.openxmlformats.org/drawingml/2006/diagram">
+            <dgm:relIds xmlns:dgm="http://schemas.openxmlformats.org/drawingml/2006/diagram" xmlns:r="http://schemas.openxmlformats.org/officeDocument/2006/relationships" r:dm="rId2" r:lo="rId3" r:qs="rId4" r:cs="rId5"/>
+          </a:graphicData>
+        </a:graphic>
+      </p:graphicFrame>
     </p:spTree>
     <p:extLst>
       <p:ext uri="{BB962C8B-B14F-4D97-AF65-F5344CB8AC3E}">
-        <p14:creationId xmlns:p14="http://schemas.microsoft.com/office/powerpoint/2010/main" val="3323008064"/>
+        <p14:creationId xmlns:p14="http://schemas.microsoft.com/office/powerpoint/2010/main" val="4011797827"/>
       </p:ext>
     </p:extLst>
   </p:cSld>
@@ -11377,6 +11430,223 @@
     <p:extLst>
       <p:ext uri="{BB962C8B-B14F-4D97-AF65-F5344CB8AC3E}">
         <p14:creationId xmlns:p14="http://schemas.microsoft.com/office/powerpoint/2010/main" val="3746129056"/>
+      </p:ext>
+    </p:extLst>
+  </p:cSld>
+  <p:clrMapOvr>
+    <a:masterClrMapping/>
+  </p:clrMapOvr>
+</p:sld>
+</file>
+
+<file path=ppt/slides/slide40.xml><?xml version="1.0" encoding="utf-8"?>
+<p:sld xmlns:a="http://schemas.openxmlformats.org/drawingml/2006/main" xmlns:r="http://schemas.openxmlformats.org/officeDocument/2006/relationships" xmlns:p="http://schemas.openxmlformats.org/presentationml/2006/main">
+  <p:cSld>
+    <p:spTree>
+      <p:nvGrpSpPr>
+        <p:cNvPr id="1" name=""/>
+        <p:cNvGrpSpPr/>
+        <p:nvPr/>
+      </p:nvGrpSpPr>
+      <p:grpSpPr>
+        <a:xfrm>
+          <a:off x="0" y="0"/>
+          <a:ext cx="0" cy="0"/>
+          <a:chOff x="0" y="0"/>
+          <a:chExt cx="0" cy="0"/>
+        </a:xfrm>
+      </p:grpSpPr>
+      <p:sp>
+        <p:nvSpPr>
+          <p:cNvPr id="2" name="Title 1">
+            <a:extLst>
+              <a:ext uri="{FF2B5EF4-FFF2-40B4-BE49-F238E27FC236}">
+                <a16:creationId xmlns:a16="http://schemas.microsoft.com/office/drawing/2014/main" id="{8809AD1B-15AC-73AB-08B3-44B57F830D43}"/>
+              </a:ext>
+            </a:extLst>
+          </p:cNvPr>
+          <p:cNvSpPr>
+            <a:spLocks noGrp="1"/>
+          </p:cNvSpPr>
+          <p:nvPr>
+            <p:ph type="title"/>
+          </p:nvPr>
+        </p:nvSpPr>
+        <p:spPr/>
+        <p:txBody>
+          <a:bodyPr/>
+          <a:lstStyle/>
+          <a:p>
+            <a:r>
+              <a:rPr lang="en-US" dirty="0"/>
+              <a:t>Deployment: Retraining</a:t>
+            </a:r>
+          </a:p>
+        </p:txBody>
+      </p:sp>
+      <p:sp>
+        <p:nvSpPr>
+          <p:cNvPr id="3" name="Content Placeholder 2">
+            <a:extLst>
+              <a:ext uri="{FF2B5EF4-FFF2-40B4-BE49-F238E27FC236}">
+                <a16:creationId xmlns:a16="http://schemas.microsoft.com/office/drawing/2014/main" id="{208B799E-274C-0F09-65CC-3B434641ED42}"/>
+              </a:ext>
+            </a:extLst>
+          </p:cNvPr>
+          <p:cNvSpPr>
+            <a:spLocks noGrp="1"/>
+          </p:cNvSpPr>
+          <p:nvPr>
+            <p:ph idx="1"/>
+          </p:nvPr>
+        </p:nvSpPr>
+        <p:spPr/>
+        <p:txBody>
+          <a:bodyPr/>
+          <a:lstStyle/>
+          <a:p>
+            <a:r>
+              <a:rPr lang="en-US" dirty="0"/>
+              <a:t>Scheduled retraining</a:t>
+            </a:r>
+          </a:p>
+          <a:p>
+            <a:r>
+              <a:rPr lang="en-US" dirty="0"/>
+              <a:t>Rolling window retraining</a:t>
+            </a:r>
+          </a:p>
+          <a:p>
+            <a:r>
+              <a:rPr lang="en-US" dirty="0"/>
+              <a:t>Performance-triggered retraining</a:t>
+            </a:r>
+          </a:p>
+        </p:txBody>
+      </p:sp>
+    </p:spTree>
+    <p:extLst>
+      <p:ext uri="{BB962C8B-B14F-4D97-AF65-F5344CB8AC3E}">
+        <p14:creationId xmlns:p14="http://schemas.microsoft.com/office/powerpoint/2010/main" val="330214908"/>
+      </p:ext>
+    </p:extLst>
+  </p:cSld>
+  <p:clrMapOvr>
+    <a:masterClrMapping/>
+  </p:clrMapOvr>
+</p:sld>
+</file>
+
+<file path=ppt/slides/slide41.xml><?xml version="1.0" encoding="utf-8"?>
+<p:sld xmlns:a="http://schemas.openxmlformats.org/drawingml/2006/main" xmlns:r="http://schemas.openxmlformats.org/officeDocument/2006/relationships" xmlns:p="http://schemas.openxmlformats.org/presentationml/2006/main">
+  <p:cSld>
+    <p:spTree>
+      <p:nvGrpSpPr>
+        <p:cNvPr id="1" name=""/>
+        <p:cNvGrpSpPr/>
+        <p:nvPr/>
+      </p:nvGrpSpPr>
+      <p:grpSpPr>
+        <a:xfrm>
+          <a:off x="0" y="0"/>
+          <a:ext cx="0" cy="0"/>
+          <a:chOff x="0" y="0"/>
+          <a:chExt cx="0" cy="0"/>
+        </a:xfrm>
+      </p:grpSpPr>
+      <p:sp>
+        <p:nvSpPr>
+          <p:cNvPr id="2" name="Title 1">
+            <a:extLst>
+              <a:ext uri="{FF2B5EF4-FFF2-40B4-BE49-F238E27FC236}">
+                <a16:creationId xmlns:a16="http://schemas.microsoft.com/office/drawing/2014/main" id="{E8530FD2-6A8F-67C0-A6E9-F0556CF9F2D8}"/>
+              </a:ext>
+            </a:extLst>
+          </p:cNvPr>
+          <p:cNvSpPr>
+            <a:spLocks noGrp="1"/>
+          </p:cNvSpPr>
+          <p:nvPr>
+            <p:ph type="title"/>
+          </p:nvPr>
+        </p:nvSpPr>
+        <p:spPr/>
+        <p:txBody>
+          <a:bodyPr/>
+          <a:lstStyle/>
+          <a:p>
+            <a:r>
+              <a:rPr lang="en-US" dirty="0"/>
+              <a:t>Reference Materials Used</a:t>
+            </a:r>
+          </a:p>
+        </p:txBody>
+      </p:sp>
+      <p:sp>
+        <p:nvSpPr>
+          <p:cNvPr id="3" name="Content Placeholder 2">
+            <a:extLst>
+              <a:ext uri="{FF2B5EF4-FFF2-40B4-BE49-F238E27FC236}">
+                <a16:creationId xmlns:a16="http://schemas.microsoft.com/office/drawing/2014/main" id="{E38E2CDF-6199-216E-9FB0-E453A741DF5A}"/>
+              </a:ext>
+            </a:extLst>
+          </p:cNvPr>
+          <p:cNvSpPr>
+            <a:spLocks noGrp="1"/>
+          </p:cNvSpPr>
+          <p:nvPr>
+            <p:ph idx="1"/>
+          </p:nvPr>
+        </p:nvSpPr>
+        <p:spPr/>
+        <p:txBody>
+          <a:bodyPr/>
+          <a:lstStyle/>
+          <a:p>
+            <a:r>
+              <a:rPr lang="en-US" sz="2800" dirty="0"/>
+              <a:t>Modern Time Series Forecasting with Python, Second Edition, Manu Joseph, Jeffrey Tackes</a:t>
+            </a:r>
+          </a:p>
+          <a:p>
+            <a:r>
+              <a:rPr lang="en-US" dirty="0">
+                <a:hlinkClick r:id="rId2"/>
+              </a:rPr>
+              <a:t>https://github.com/Nixtla/statsforecast</a:t>
+            </a:r>
+            <a:endParaRPr lang="en-US" dirty="0"/>
+          </a:p>
+          <a:p>
+            <a:r>
+              <a:rPr lang="en-US" dirty="0">
+                <a:hlinkClick r:id="rId3"/>
+              </a:rPr>
+              <a:t>https://github.com/Nixtla/mlforecast</a:t>
+            </a:r>
+            <a:endParaRPr lang="en-US" dirty="0"/>
+          </a:p>
+          <a:p>
+            <a:r>
+              <a:rPr lang="en-US" dirty="0"/>
+              <a:t>https://</a:t>
+            </a:r>
+            <a:r>
+              <a:rPr lang="en-US" dirty="0" err="1"/>
+              <a:t>www.kaggle.com</a:t>
+            </a:r>
+            <a:r>
+              <a:rPr lang="en-US"/>
+              <a:t>/competitions/store-sales-time-series-forecasting/overview</a:t>
+            </a:r>
+            <a:endParaRPr lang="en-US" dirty="0"/>
+          </a:p>
+        </p:txBody>
+      </p:sp>
+    </p:spTree>
+    <p:extLst>
+      <p:ext uri="{BB962C8B-B14F-4D97-AF65-F5344CB8AC3E}">
+        <p14:creationId xmlns:p14="http://schemas.microsoft.com/office/powerpoint/2010/main" val="3323008064"/>
       </p:ext>
     </p:extLst>
   </p:cSld>
@@ -11824,7 +12094,7 @@
           <p:cNvPr id="2" name="Title 1">
             <a:extLst>
               <a:ext uri="{FF2B5EF4-FFF2-40B4-BE49-F238E27FC236}">
-                <a16:creationId xmlns:a16="http://schemas.microsoft.com/office/drawing/2014/main" id="{F2CEB9AC-50DF-BABC-C727-A8074402DE39}"/>
+                <a16:creationId xmlns:a16="http://schemas.microsoft.com/office/drawing/2014/main" id="{503CD6D3-B3B1-91FE-A190-BDC240DD2C47}"/>
               </a:ext>
             </a:extLst>
           </p:cNvPr>
@@ -11842,17 +12112,17 @@
           <a:p>
             <a:r>
               <a:rPr lang="en-US" dirty="0"/>
-              <a:t>Visualization: Seasonality</a:t>
+              <a:t>Autocorrelation Function</a:t>
             </a:r>
           </a:p>
         </p:txBody>
       </p:sp>
       <p:pic>
         <p:nvPicPr>
-          <p:cNvPr id="7" name="Content Placeholder 6">
-            <a:extLst>
-              <a:ext uri="{FF2B5EF4-FFF2-40B4-BE49-F238E27FC236}">
-                <a16:creationId xmlns:a16="http://schemas.microsoft.com/office/drawing/2014/main" id="{04081C03-2516-CAEE-620C-333D752E55CE}"/>
+          <p:cNvPr id="8" name="Content Placeholder 7">
+            <a:extLst>
+              <a:ext uri="{FF2B5EF4-FFF2-40B4-BE49-F238E27FC236}">
+                <a16:creationId xmlns:a16="http://schemas.microsoft.com/office/drawing/2014/main" id="{7501ED8A-826C-FDA2-4DE2-FCF57E9652A6}"/>
               </a:ext>
             </a:extLst>
           </p:cNvPr>
@@ -11871,8 +12141,8 @@
         </p:blipFill>
         <p:spPr>
           <a:xfrm>
-            <a:off x="838200" y="1378334"/>
-            <a:ext cx="9210368" cy="5092792"/>
+            <a:off x="1828800" y="1465406"/>
+            <a:ext cx="8129952" cy="5392594"/>
           </a:xfrm>
           <a:prstGeom prst="rect">
             <a:avLst/>
@@ -11882,7 +12152,7 @@
     </p:spTree>
     <p:extLst>
       <p:ext uri="{BB962C8B-B14F-4D97-AF65-F5344CB8AC3E}">
-        <p14:creationId xmlns:p14="http://schemas.microsoft.com/office/powerpoint/2010/main" val="4119166362"/>
+        <p14:creationId xmlns:p14="http://schemas.microsoft.com/office/powerpoint/2010/main" val="2006619353"/>
       </p:ext>
     </p:extLst>
   </p:cSld>
